--- a/Whiteboard design session/WDS trainer presentation - Media AI.pptx
+++ b/Whiteboard design session/WDS trainer presentation - Media AI.pptx
@@ -233,7 +233,7 @@
           <a:p>
             <a:fld id="{52A13B17-C506-4D51-BB37-16B365906619}" type="datetimeFigureOut">
               <a:rPr lang="en-US" smtClean="0"/>
-              <a:t>9/10/2018</a:t>
+              <a:t>5/24/19</a:t>
             </a:fld>
             <a:endParaRPr lang="en-US" dirty="0"/>
           </a:p>
@@ -2300,7 +2300,7 @@
                   <a:prstClr val="black"/>
                 </a:solidFill>
               </a:rPr>
-              <a:t>9/10/2018 9:51 AM</a:t>
+              <a:t>5/24/19 11:53 AM</a:t>
             </a:fld>
             <a:endParaRPr lang="en-US" dirty="0">
               <a:solidFill>
@@ -3233,7 +3233,7 @@
       </p:transition>
     </mc:Fallback>
   </mc:AlternateContent>
-  <p:extLst mod="1">
+  <p:extLst>
     <p:ext uri="{DCECCB84-F9BA-43D5-87BE-67443E8EF086}">
       <p15:sldGuideLst xmlns:p15="http://schemas.microsoft.com/office/powerpoint/2012/main">
         <p15:guide id="1" pos="288">
@@ -14237,7 +14237,7 @@
       </a:lvl9pPr>
     </p:otherStyle>
   </p:txStyles>
-  <p:extLst mod="1">
+  <p:extLst>
     <p:ext uri="{27BBF7A9-308A-43DC-89C8-2F10F3537804}">
       <p15:sldGuideLst xmlns:p15="http://schemas.microsoft.com/office/powerpoint/2012/main">
         <p15:guide id="1" orient="horz" pos="187">
@@ -14852,7 +14852,7 @@
       </a:lvl9pPr>
     </p:otherStyle>
   </p:txStyles>
-  <p:extLst mod="1">
+  <p:extLst>
     <p:ext uri="{27BBF7A9-308A-43DC-89C8-2F10F3537804}">
       <p15:sldGuideLst xmlns:p15="http://schemas.microsoft.com/office/powerpoint/2012/main">
         <p15:guide id="1" orient="horz" pos="187">
@@ -19444,7 +19444,7 @@
         </p:spPr>
         <p:txBody>
           <a:bodyPr>
-            <a:normAutofit fontScale="92500"/>
+            <a:normAutofit/>
           </a:bodyPr>
           <a:lstStyle/>
           <a:p>
